--- a/MHiggins_PowerLecture.pptx
+++ b/MHiggins_PowerLecture.pptx
@@ -5,10 +5,10 @@
     <p:sldMasterId id="2147483649" r:id="rId1"/>
   </p:sldMasterIdLst>
   <p:notesMasterIdLst>
-    <p:notesMasterId r:id="rId50"/>
+    <p:notesMasterId r:id="rId53"/>
   </p:notesMasterIdLst>
   <p:handoutMasterIdLst>
-    <p:handoutMasterId r:id="rId51"/>
+    <p:handoutMasterId r:id="rId54"/>
   </p:handoutMasterIdLst>
   <p:sldIdLst>
     <p:sldId id="256" r:id="rId2"/>
@@ -52,13 +52,16 @@
     <p:sldId id="411" r:id="rId40"/>
     <p:sldId id="397" r:id="rId41"/>
     <p:sldId id="412" r:id="rId42"/>
-    <p:sldId id="417" r:id="rId43"/>
-    <p:sldId id="418" r:id="rId44"/>
-    <p:sldId id="405" r:id="rId45"/>
-    <p:sldId id="406" r:id="rId46"/>
-    <p:sldId id="407" r:id="rId47"/>
-    <p:sldId id="349" r:id="rId48"/>
-    <p:sldId id="295" r:id="rId49"/>
+    <p:sldId id="419" r:id="rId43"/>
+    <p:sldId id="262" r:id="rId44"/>
+    <p:sldId id="417" r:id="rId45"/>
+    <p:sldId id="418" r:id="rId46"/>
+    <p:sldId id="405" r:id="rId47"/>
+    <p:sldId id="406" r:id="rId48"/>
+    <p:sldId id="407" r:id="rId49"/>
+    <p:sldId id="349" r:id="rId50"/>
+    <p:sldId id="295" r:id="rId51"/>
+    <p:sldId id="420" r:id="rId52"/>
   </p:sldIdLst>
   <p:sldSz cx="9144000" cy="6858000" type="screen4x3"/>
   <p:notesSz cx="6881813" cy="9296400"/>
@@ -3590,6 +3593,11 @@
         </p:txBody>
       </p:sp>
     </p:spTree>
+    <p:extLst>
+      <p:ext uri="{BB962C8B-B14F-4D97-AF65-F5344CB8AC3E}">
+        <p14:creationId xmlns:p14="http://schemas.microsoft.com/office/powerpoint/2010/main" val="1"/>
+      </p:ext>
+    </p:extLst>
   </p:cSld>
   <p:clrMap bg1="lt1" tx1="dk1" bg2="lt2" tx2="dk2" accent1="accent1" accent2="accent2" accent3="accent3" accent4="accent4" accent5="accent5" accent6="accent6" hlink="hlink" folHlink="folHlink"/>
 </p:handoutMaster>
@@ -3738,7 +3746,7 @@
             </a:extLst>
           </p:cNvPr>
           <p:cNvSpPr>
-            <a:spLocks noRot="1" noChangeArrowheads="1" noTextEdit="1"/>
+            <a:spLocks noGrp="1" noRot="1" noChangeAspect="1" noChangeArrowheads="1" noTextEdit="1"/>
           </p:cNvSpPr>
           <p:nvPr>
             <p:ph type="sldImg" idx="2"/>
@@ -4262,7 +4270,7 @@
             </a:extLst>
           </p:cNvPr>
           <p:cNvSpPr>
-            <a:spLocks noRot="1" noChangeArrowheads="1" noTextEdit="1"/>
+            <a:spLocks noGrp="1" noRot="1" noChangeAspect="1" noChangeArrowheads="1" noTextEdit="1"/>
           </p:cNvSpPr>
           <p:nvPr>
             <p:ph type="sldImg"/>
@@ -4507,7 +4515,7 @@
             </a:extLst>
           </p:cNvPr>
           <p:cNvSpPr>
-            <a:spLocks noRot="1" noChangeArrowheads="1" noTextEdit="1"/>
+            <a:spLocks noGrp="1" noRot="1" noChangeAspect="1" noChangeArrowheads="1" noTextEdit="1"/>
           </p:cNvSpPr>
           <p:nvPr>
             <p:ph type="sldImg"/>
@@ -4752,7 +4760,7 @@
             </a:extLst>
           </p:cNvPr>
           <p:cNvSpPr>
-            <a:spLocks noRot="1" noChangeArrowheads="1" noTextEdit="1"/>
+            <a:spLocks noGrp="1" noRot="1" noChangeAspect="1" noChangeArrowheads="1" noTextEdit="1"/>
           </p:cNvSpPr>
           <p:nvPr>
             <p:ph type="sldImg"/>
@@ -4997,7 +5005,7 @@
             </a:extLst>
           </p:cNvPr>
           <p:cNvSpPr>
-            <a:spLocks noRot="1" noChangeArrowheads="1" noTextEdit="1"/>
+            <a:spLocks noGrp="1" noRot="1" noChangeAspect="1" noChangeArrowheads="1" noTextEdit="1"/>
           </p:cNvSpPr>
           <p:nvPr>
             <p:ph type="sldImg"/>
@@ -5242,7 +5250,7 @@
             </a:extLst>
           </p:cNvPr>
           <p:cNvSpPr>
-            <a:spLocks noRot="1" noChangeArrowheads="1" noTextEdit="1"/>
+            <a:spLocks noGrp="1" noRot="1" noChangeAspect="1" noChangeArrowheads="1" noTextEdit="1"/>
           </p:cNvSpPr>
           <p:nvPr>
             <p:ph type="sldImg"/>
@@ -5487,7 +5495,7 @@
             </a:extLst>
           </p:cNvPr>
           <p:cNvSpPr>
-            <a:spLocks noRot="1" noChangeArrowheads="1" noTextEdit="1"/>
+            <a:spLocks noGrp="1" noRot="1" noChangeAspect="1" noChangeArrowheads="1" noTextEdit="1"/>
           </p:cNvSpPr>
           <p:nvPr>
             <p:ph type="sldImg"/>
@@ -5737,7 +5745,7 @@
             </a:extLst>
           </p:cNvPr>
           <p:cNvSpPr>
-            <a:spLocks noRot="1" noChangeArrowheads="1" noTextEdit="1"/>
+            <a:spLocks noGrp="1" noRot="1" noChangeAspect="1" noChangeArrowheads="1" noTextEdit="1"/>
           </p:cNvSpPr>
           <p:nvPr>
             <p:ph type="sldImg"/>
@@ -5987,7 +5995,7 @@
             </a:extLst>
           </p:cNvPr>
           <p:cNvSpPr>
-            <a:spLocks noRot="1" noChangeArrowheads="1" noTextEdit="1"/>
+            <a:spLocks noGrp="1" noRot="1" noChangeAspect="1" noChangeArrowheads="1" noTextEdit="1"/>
           </p:cNvSpPr>
           <p:nvPr>
             <p:ph type="sldImg"/>
@@ -7571,7 +7579,7 @@
             <a:fld id="{E3264401-8D7F-4230-8354-D7FAB8EAAB61}" type="slidenum">
               <a:rPr lang="en-US" altLang="en-US"/>
               <a:pPr eaLnBrk="1" hangingPunct="1"/>
-              <a:t>47</a:t>
+              <a:t>49</a:t>
             </a:fld>
             <a:endParaRPr lang="en-US" altLang="en-US"/>
           </a:p>
@@ -7587,7 +7595,7 @@
             </a:extLst>
           </p:cNvPr>
           <p:cNvSpPr>
-            <a:spLocks noRot="1" noChangeArrowheads="1" noTextEdit="1"/>
+            <a:spLocks noGrp="1" noRot="1" noChangeAspect="1" noChangeArrowheads="1" noTextEdit="1"/>
           </p:cNvSpPr>
           <p:nvPr>
             <p:ph type="sldImg"/>
@@ -7816,7 +7824,7 @@
             <a:fld id="{C6FE4B65-7D90-463E-A6DE-3EB8DF542134}" type="slidenum">
               <a:rPr lang="en-US" altLang="en-US"/>
               <a:pPr eaLnBrk="1" hangingPunct="1"/>
-              <a:t>48</a:t>
+              <a:t>50</a:t>
             </a:fld>
             <a:endParaRPr lang="en-US" altLang="en-US"/>
           </a:p>
@@ -7832,7 +7840,7 @@
             </a:extLst>
           </p:cNvPr>
           <p:cNvSpPr>
-            <a:spLocks noRot="1" noChangeArrowheads="1" noTextEdit="1"/>
+            <a:spLocks noGrp="1" noRot="1" noChangeAspect="1" noChangeArrowheads="1" noTextEdit="1"/>
           </p:cNvSpPr>
           <p:nvPr>
             <p:ph type="sldImg"/>
@@ -8565,7 +8573,7 @@
             </a:extLst>
           </p:cNvPr>
           <p:cNvSpPr>
-            <a:spLocks noRot="1" noChangeArrowheads="1" noTextEdit="1"/>
+            <a:spLocks noGrp="1" noRot="1" noChangeAspect="1" noChangeArrowheads="1" noTextEdit="1"/>
           </p:cNvSpPr>
           <p:nvPr>
             <p:ph type="sldImg"/>
@@ -9054,7 +9062,7 @@
             </a:extLst>
           </p:cNvPr>
           <p:cNvSpPr>
-            <a:spLocks noRot="1" noChangeArrowheads="1" noTextEdit="1"/>
+            <a:spLocks noGrp="1" noRot="1" noChangeAspect="1" noChangeArrowheads="1" noTextEdit="1"/>
           </p:cNvSpPr>
           <p:nvPr>
             <p:ph type="sldImg"/>
@@ -9299,7 +9307,7 @@
             </a:extLst>
           </p:cNvPr>
           <p:cNvSpPr>
-            <a:spLocks noRot="1" noChangeArrowheads="1" noTextEdit="1"/>
+            <a:spLocks noGrp="1" noRot="1" noChangeAspect="1" noChangeArrowheads="1" noTextEdit="1"/>
           </p:cNvSpPr>
           <p:nvPr>
             <p:ph type="sldImg"/>
@@ -9544,7 +9552,7 @@
             </a:extLst>
           </p:cNvPr>
           <p:cNvSpPr>
-            <a:spLocks noRot="1" noChangeArrowheads="1" noTextEdit="1"/>
+            <a:spLocks noGrp="1" noRot="1" noChangeAspect="1" noChangeArrowheads="1" noTextEdit="1"/>
           </p:cNvSpPr>
           <p:nvPr>
             <p:ph type="sldImg"/>
@@ -33145,12 +33153,12 @@
           <a:graphicData uri="http://schemas.openxmlformats.org/presentationml/2006/ole">
             <mc:AlternateContent xmlns:mc="http://schemas.openxmlformats.org/markup-compatibility/2006">
               <mc:Choice xmlns:v="urn:schemas-microsoft-com:vml" Requires="v">
-                <p:oleObj spid="_x0000_s105522" name="Equation" r:id="rId4" imgW="787400" imgH="419100" progId="Equation.3">
+                <p:oleObj name="Equation" r:id="rId3" imgW="787400" imgH="419100" progId="Equation.3">
                   <p:embed/>
                 </p:oleObj>
               </mc:Choice>
               <mc:Fallback>
-                <p:oleObj name="Equation" r:id="rId4" imgW="787400" imgH="419100" progId="Equation.3">
+                <p:oleObj name="Equation" r:id="rId3" imgW="787400" imgH="419100" progId="Equation.3">
                   <p:embed/>
                   <p:pic>
                     <p:nvPicPr>
@@ -33167,7 +33175,7 @@
                       <p:nvPr/>
                     </p:nvPicPr>
                     <p:blipFill>
-                      <a:blip r:embed="rId5">
+                      <a:blip r:embed="rId4">
                         <a:extLst>
                           <a:ext uri="{28A0092B-C50C-407E-A947-70E740481C1C}">
                             <a14:useLocalDpi xmlns:a14="http://schemas.microsoft.com/office/drawing/2010/main" val="0"/>
@@ -33250,12 +33258,12 @@
           <a:graphicData uri="http://schemas.openxmlformats.org/presentationml/2006/ole">
             <mc:AlternateContent xmlns:mc="http://schemas.openxmlformats.org/markup-compatibility/2006">
               <mc:Choice xmlns:v="urn:schemas-microsoft-com:vml" Requires="v">
-                <p:oleObj spid="_x0000_s105523" name="Equation" r:id="rId6" imgW="2578100" imgH="673100" progId="Equation.3">
+                <p:oleObj name="Equation" r:id="rId5" imgW="2578100" imgH="673100" progId="Equation.3">
                   <p:embed/>
                 </p:oleObj>
               </mc:Choice>
               <mc:Fallback>
-                <p:oleObj name="Equation" r:id="rId6" imgW="2578100" imgH="673100" progId="Equation.3">
+                <p:oleObj name="Equation" r:id="rId5" imgW="2578100" imgH="673100" progId="Equation.3">
                   <p:embed/>
                   <p:pic>
                     <p:nvPicPr>
@@ -33272,7 +33280,7 @@
                       <p:nvPr/>
                     </p:nvPicPr>
                     <p:blipFill>
-                      <a:blip r:embed="rId7">
+                      <a:blip r:embed="rId6">
                         <a:extLst>
                           <a:ext uri="{28A0092B-C50C-407E-A947-70E740481C1C}">
                             <a14:useLocalDpi xmlns:a14="http://schemas.microsoft.com/office/drawing/2010/main" val="0"/>
@@ -35735,12 +35743,12 @@
           <a:graphicData uri="http://schemas.openxmlformats.org/presentationml/2006/ole">
             <mc:AlternateContent xmlns:mc="http://schemas.openxmlformats.org/markup-compatibility/2006">
               <mc:Choice xmlns:v="urn:schemas-microsoft-com:vml" Requires="v">
-                <p:oleObj spid="_x0000_s106546" name="Equation" r:id="rId4" imgW="1549400" imgH="457200" progId="Equation.3">
+                <p:oleObj name="Equation" r:id="rId3" imgW="1549400" imgH="457200" progId="Equation.3">
                   <p:embed/>
                 </p:oleObj>
               </mc:Choice>
               <mc:Fallback>
-                <p:oleObj name="Equation" r:id="rId4" imgW="1549400" imgH="457200" progId="Equation.3">
+                <p:oleObj name="Equation" r:id="rId3" imgW="1549400" imgH="457200" progId="Equation.3">
                   <p:embed/>
                   <p:pic>
                     <p:nvPicPr>
@@ -35757,7 +35765,7 @@
                       <p:nvPr/>
                     </p:nvPicPr>
                     <p:blipFill>
-                      <a:blip r:embed="rId5">
+                      <a:blip r:embed="rId4">
                         <a:extLst>
                           <a:ext uri="{28A0092B-C50C-407E-A947-70E740481C1C}">
                             <a14:useLocalDpi xmlns:a14="http://schemas.microsoft.com/office/drawing/2010/main" val="0"/>
@@ -35840,12 +35848,12 @@
           <a:graphicData uri="http://schemas.openxmlformats.org/presentationml/2006/ole">
             <mc:AlternateContent xmlns:mc="http://schemas.openxmlformats.org/markup-compatibility/2006">
               <mc:Choice xmlns:v="urn:schemas-microsoft-com:vml" Requires="v">
-                <p:oleObj spid="_x0000_s106547" name="Equation" r:id="rId6" imgW="1943100" imgH="203200" progId="Equation.3">
+                <p:oleObj name="Equation" r:id="rId5" imgW="1943100" imgH="203200" progId="Equation.3">
                   <p:embed/>
                 </p:oleObj>
               </mc:Choice>
               <mc:Fallback>
-                <p:oleObj name="Equation" r:id="rId6" imgW="1943100" imgH="203200" progId="Equation.3">
+                <p:oleObj name="Equation" r:id="rId5" imgW="1943100" imgH="203200" progId="Equation.3">
                   <p:embed/>
                   <p:pic>
                     <p:nvPicPr>
@@ -35862,7 +35870,7 @@
                       <p:nvPr/>
                     </p:nvPicPr>
                     <p:blipFill>
-                      <a:blip r:embed="rId7">
+                      <a:blip r:embed="rId6">
                         <a:extLst>
                           <a:ext uri="{28A0092B-C50C-407E-A947-70E740481C1C}">
                             <a14:useLocalDpi xmlns:a14="http://schemas.microsoft.com/office/drawing/2010/main" val="0"/>
@@ -36383,8 +36391,8 @@
           <a:chExt cx="0" cy="0"/>
         </a:xfrm>
       </p:grpSpPr>
-      <mc:AlternateContent xmlns:mc="http://schemas.openxmlformats.org/markup-compatibility/2006">
-        <mc:Choice xmlns:a14="http://schemas.microsoft.com/office/drawing/2010/main" Requires="a14">
+      <mc:AlternateContent xmlns:mc="http://schemas.openxmlformats.org/markup-compatibility/2006" xmlns:a14="http://schemas.microsoft.com/office/drawing/2010/main">
+        <mc:Choice Requires="a14">
           <p:sp>
             <p:nvSpPr>
               <p:cNvPr id="4" name="TextBox 3">
@@ -36558,7 +36566,7 @@
             </p:txBody>
           </p:sp>
         </mc:Choice>
-        <mc:Fallback>
+        <mc:Fallback xmlns="">
           <p:sp>
             <p:nvSpPr>
               <p:cNvPr id="4" name="TextBox 3">
@@ -36703,8 +36711,8 @@
           <a:chExt cx="0" cy="0"/>
         </a:xfrm>
       </p:grpSpPr>
-      <mc:AlternateContent xmlns:mc="http://schemas.openxmlformats.org/markup-compatibility/2006">
-        <mc:Choice xmlns:a14="http://schemas.microsoft.com/office/drawing/2010/main" Requires="a14">
+      <mc:AlternateContent xmlns:mc="http://schemas.openxmlformats.org/markup-compatibility/2006" xmlns:a14="http://schemas.microsoft.com/office/drawing/2010/main">
+        <mc:Choice Requires="a14">
           <p:sp>
             <p:nvSpPr>
               <p:cNvPr id="4" name="TextBox 3">
@@ -36878,7 +36886,7 @@
             </p:txBody>
           </p:sp>
         </mc:Choice>
-        <mc:Fallback>
+        <mc:Fallback xmlns="">
           <p:sp>
             <p:nvSpPr>
               <p:cNvPr id="4" name="TextBox 3">
@@ -37553,12 +37561,12 @@
           <a:graphicData uri="http://schemas.openxmlformats.org/presentationml/2006/ole">
             <mc:AlternateContent xmlns:mc="http://schemas.openxmlformats.org/markup-compatibility/2006">
               <mc:Choice xmlns:v="urn:schemas-microsoft-com:vml" Requires="v">
-                <p:oleObj spid="_x0000_s107546" name="Equation" r:id="rId4" imgW="1904174" imgH="545863" progId="Equation.3">
+                <p:oleObj name="Equation" r:id="rId3" imgW="1904174" imgH="545863" progId="Equation.3">
                   <p:embed/>
                 </p:oleObj>
               </mc:Choice>
               <mc:Fallback>
-                <p:oleObj name="Equation" r:id="rId4" imgW="1904174" imgH="545863" progId="Equation.3">
+                <p:oleObj name="Equation" r:id="rId3" imgW="1904174" imgH="545863" progId="Equation.3">
                   <p:embed/>
                   <p:pic>
                     <p:nvPicPr>
@@ -37575,7 +37583,7 @@
                       <p:nvPr/>
                     </p:nvPicPr>
                     <p:blipFill>
-                      <a:blip r:embed="rId5">
+                      <a:blip r:embed="rId4">
                         <a:extLst>
                           <a:ext uri="{28A0092B-C50C-407E-A947-70E740481C1C}">
                             <a14:useLocalDpi xmlns:a14="http://schemas.microsoft.com/office/drawing/2010/main" val="0"/>
@@ -37667,8 +37675,8 @@
           <a:chExt cx="0" cy="0"/>
         </a:xfrm>
       </p:grpSpPr>
-      <mc:AlternateContent xmlns:mc="http://schemas.openxmlformats.org/markup-compatibility/2006">
-        <mc:Choice xmlns:a14="http://schemas.microsoft.com/office/drawing/2010/main" Requires="a14">
+      <mc:AlternateContent xmlns:mc="http://schemas.openxmlformats.org/markup-compatibility/2006" xmlns:a14="http://schemas.microsoft.com/office/drawing/2010/main">
+        <mc:Choice Requires="a14">
           <p:sp>
             <p:nvSpPr>
               <p:cNvPr id="4" name="TextBox 3">
@@ -37891,7 +37899,7 @@
             </p:txBody>
           </p:sp>
         </mc:Choice>
-        <mc:Fallback>
+        <mc:Fallback xmlns="">
           <p:sp>
             <p:nvSpPr>
               <p:cNvPr id="4" name="TextBox 3">
@@ -38306,8 +38314,8 @@
           </a:p>
         </p:txBody>
       </p:sp>
-      <mc:AlternateContent xmlns:mc="http://schemas.openxmlformats.org/markup-compatibility/2006">
-        <mc:Choice xmlns:a14="http://schemas.microsoft.com/office/drawing/2010/main" Requires="a14">
+      <mc:AlternateContent xmlns:mc="http://schemas.openxmlformats.org/markup-compatibility/2006" xmlns:a14="http://schemas.microsoft.com/office/drawing/2010/main">
+        <mc:Choice Requires="a14">
           <p:sp>
             <p:nvSpPr>
               <p:cNvPr id="4" name="TextBox 3">
@@ -38336,6 +38344,7 @@
               </a:bodyPr>
               <a:lstStyle/>
               <a:p>
+                <a:pPr/>
                 <a14:m>
                   <m:oMathPara xmlns:m="http://schemas.openxmlformats.org/officeDocument/2006/math">
                     <m:oMathParaPr>
@@ -38432,7 +38441,7 @@
             </p:txBody>
           </p:sp>
         </mc:Choice>
-        <mc:Fallback>
+        <mc:Fallback xmlns="">
           <p:sp>
             <p:nvSpPr>
               <p:cNvPr id="4" name="TextBox 3">
@@ -40114,8 +40123,8 @@
           </a:prstGeom>
         </p:spPr>
       </p:pic>
-      <mc:AlternateContent xmlns:mc="http://schemas.openxmlformats.org/markup-compatibility/2006">
-        <mc:Choice xmlns:a14="http://schemas.microsoft.com/office/drawing/2010/main" Requires="a14">
+      <mc:AlternateContent xmlns:mc="http://schemas.openxmlformats.org/markup-compatibility/2006" xmlns:a14="http://schemas.microsoft.com/office/drawing/2010/main">
+        <mc:Choice Requires="a14">
           <p:sp>
             <p:nvSpPr>
               <p:cNvPr id="4" name="TextBox 3">
@@ -40221,7 +40230,7 @@
             </p:txBody>
           </p:sp>
         </mc:Choice>
-        <mc:Fallback>
+        <mc:Fallback xmlns="">
           <p:sp>
             <p:nvSpPr>
               <p:cNvPr id="4" name="TextBox 3">
@@ -40302,6 +40311,315 @@
           <p:cNvPr id="2" name="Title 1">
             <a:extLst>
               <a:ext uri="{FF2B5EF4-FFF2-40B4-BE49-F238E27FC236}">
+                <a16:creationId xmlns:a16="http://schemas.microsoft.com/office/drawing/2014/main" id="{6FB9009E-B96B-43B3-AD03-ABF3088C5F30}"/>
+              </a:ext>
+            </a:extLst>
+          </p:cNvPr>
+          <p:cNvSpPr>
+            <a:spLocks noGrp="1"/>
+          </p:cNvSpPr>
+          <p:nvPr>
+            <p:ph type="title"/>
+          </p:nvPr>
+        </p:nvSpPr>
+        <p:spPr/>
+        <p:txBody>
+          <a:bodyPr/>
+          <a:lstStyle/>
+          <a:p>
+            <a:r>
+              <a:rPr lang="en-US" dirty="0"/>
+              <a:t>Sample Size recommendations</a:t>
+            </a:r>
+          </a:p>
+        </p:txBody>
+      </p:sp>
+      <p:sp>
+        <p:nvSpPr>
+          <p:cNvPr id="3" name="Content Placeholder 2">
+            <a:extLst>
+              <a:ext uri="{FF2B5EF4-FFF2-40B4-BE49-F238E27FC236}">
+                <a16:creationId xmlns:a16="http://schemas.microsoft.com/office/drawing/2014/main" id="{DC4AD13E-B524-4582-AEE6-61BBE97711E8}"/>
+              </a:ext>
+            </a:extLst>
+          </p:cNvPr>
+          <p:cNvSpPr>
+            <a:spLocks noGrp="1"/>
+          </p:cNvSpPr>
+          <p:nvPr>
+            <p:ph idx="1"/>
+          </p:nvPr>
+        </p:nvSpPr>
+        <p:spPr>
+          <a:xfrm>
+            <a:off x="628650" y="1940814"/>
+            <a:ext cx="7886700" cy="3922776"/>
+          </a:xfrm>
+        </p:spPr>
+        <p:txBody>
+          <a:bodyPr>
+            <a:normAutofit fontScale="62500" lnSpcReduction="20000"/>
+          </a:bodyPr>
+          <a:lstStyle/>
+          <a:p>
+            <a:r>
+              <a:rPr lang="en-US" dirty="0"/>
+              <a:t>Number of model parameters (p) (usually number of predictors) &lt; n</a:t>
+            </a:r>
+          </a:p>
+          <a:p>
+            <a:pPr lvl="1"/>
+            <a:r>
+              <a:rPr lang="en-US" dirty="0"/>
+              <a:t>Rules of thumb: typically assume moderate effect sizes at 5% level of significance (alpha = Type I error = 0.05) and 80% power (Type II error = 0.20)</a:t>
+            </a:r>
+          </a:p>
+          <a:p>
+            <a:pPr lvl="1"/>
+            <a:r>
+              <a:rPr lang="en-US" dirty="0"/>
+              <a:t>N =&gt; p*10 – sample size is 10x larger than number of predictors/parameters in model</a:t>
+            </a:r>
+          </a:p>
+          <a:p>
+            <a:pPr lvl="1"/>
+            <a:r>
+              <a:rPr lang="en-US" dirty="0"/>
+              <a:t>Green (1991) for overall model fit: N =&gt; 50 + 8p – for 5 predictors you need 90+ subjects</a:t>
+            </a:r>
+          </a:p>
+          <a:p>
+            <a:pPr lvl="1"/>
+            <a:r>
+              <a:rPr lang="en-US" dirty="0"/>
+              <a:t>Green (1991) for testing individual predictors: N =&gt; 104 + p – so for 5 predictors you need 109+ subjects</a:t>
+            </a:r>
+          </a:p>
+          <a:p>
+            <a:pPr lvl="1"/>
+            <a:r>
+              <a:rPr lang="en-US" dirty="0"/>
+              <a:t>Khamis and Kepler (2010): N =&gt; 20 + 5p – for 5 predictors you’d need 45 – consider this a minimum when power estimates are not feasible</a:t>
+            </a:r>
+          </a:p>
+          <a:p>
+            <a:endParaRPr lang="en-US" dirty="0"/>
+          </a:p>
+          <a:p>
+            <a:r>
+              <a:rPr lang="en-US" dirty="0"/>
+              <a:t>Need larger sample size when DV skewed, more measurement errors, smaller effect sizes</a:t>
+            </a:r>
+          </a:p>
+        </p:txBody>
+      </p:sp>
+    </p:spTree>
+    <p:extLst>
+      <p:ext uri="{BB962C8B-B14F-4D97-AF65-F5344CB8AC3E}">
+        <p14:creationId xmlns:p14="http://schemas.microsoft.com/office/powerpoint/2010/main" val="1721862751"/>
+      </p:ext>
+    </p:extLst>
+  </p:cSld>
+  <p:clrMapOvr>
+    <a:masterClrMapping/>
+  </p:clrMapOvr>
+  <p:transition/>
+</p:sld>
+</file>
+
+<file path=ppt/slides/slide43.xml><?xml version="1.0" encoding="utf-8"?>
+<p:sld xmlns:a="http://schemas.openxmlformats.org/drawingml/2006/main" xmlns:r="http://schemas.openxmlformats.org/officeDocument/2006/relationships" xmlns:p="http://schemas.openxmlformats.org/presentationml/2006/main">
+  <p:cSld>
+    <p:spTree>
+      <p:nvGrpSpPr>
+        <p:cNvPr id="1" name=""/>
+        <p:cNvGrpSpPr/>
+        <p:nvPr/>
+      </p:nvGrpSpPr>
+      <p:grpSpPr>
+        <a:xfrm>
+          <a:off x="0" y="0"/>
+          <a:ext cx="0" cy="0"/>
+          <a:chOff x="0" y="0"/>
+          <a:chExt cx="0" cy="0"/>
+        </a:xfrm>
+      </p:grpSpPr>
+      <p:sp>
+        <p:nvSpPr>
+          <p:cNvPr id="2" name="Title 1">
+            <a:extLst>
+              <a:ext uri="{FF2B5EF4-FFF2-40B4-BE49-F238E27FC236}">
+                <a16:creationId xmlns:a16="http://schemas.microsoft.com/office/drawing/2014/main" id="{EE6A1B28-7951-4B48-B5AF-63F17835E8CA}"/>
+              </a:ext>
+            </a:extLst>
+          </p:cNvPr>
+          <p:cNvSpPr>
+            <a:spLocks noGrp="1"/>
+          </p:cNvSpPr>
+          <p:nvPr>
+            <p:ph type="title"/>
+          </p:nvPr>
+        </p:nvSpPr>
+        <p:spPr/>
+        <p:txBody>
+          <a:bodyPr/>
+          <a:lstStyle/>
+          <a:p>
+            <a:r>
+              <a:rPr lang="en-US" dirty="0"/>
+              <a:t>Power, Sample Size, Effect Size – G*Power</a:t>
+            </a:r>
+          </a:p>
+        </p:txBody>
+      </p:sp>
+      <p:sp>
+        <p:nvSpPr>
+          <p:cNvPr id="5" name="Content Placeholder 4">
+            <a:extLst>
+              <a:ext uri="{FF2B5EF4-FFF2-40B4-BE49-F238E27FC236}">
+                <a16:creationId xmlns:a16="http://schemas.microsoft.com/office/drawing/2014/main" id="{CE20931E-933F-466C-9CB9-ADBEE5B23F93}"/>
+              </a:ext>
+            </a:extLst>
+          </p:cNvPr>
+          <p:cNvSpPr>
+            <a:spLocks noGrp="1"/>
+          </p:cNvSpPr>
+          <p:nvPr>
+            <p:ph idx="1"/>
+          </p:nvPr>
+        </p:nvSpPr>
+        <p:spPr/>
+        <p:txBody>
+          <a:bodyPr/>
+          <a:lstStyle/>
+          <a:p>
+            <a:r>
+              <a:rPr lang="en-US" dirty="0"/>
+              <a:t>Given effect sizes f</a:t>
+            </a:r>
+            <a:r>
+              <a:rPr lang="en-US" baseline="30000" dirty="0"/>
+              <a:t>2</a:t>
+            </a:r>
+            <a:r>
+              <a:rPr lang="en-US" dirty="0"/>
+              <a:t>=0.02 (small), 0.15 (moderate), 0.35 (large)</a:t>
+            </a:r>
+          </a:p>
+          <a:p>
+            <a:r>
+              <a:rPr lang="en-US" dirty="0"/>
+              <a:t>Green (1991):</a:t>
+            </a:r>
+          </a:p>
+          <a:p>
+            <a:pPr lvl="1"/>
+            <a:r>
+              <a:rPr lang="en-US" dirty="0"/>
+              <a:t>N =&gt; (8/f</a:t>
+            </a:r>
+            <a:r>
+              <a:rPr lang="en-US" baseline="30000" dirty="0"/>
+              <a:t>2</a:t>
+            </a:r>
+            <a:r>
+              <a:rPr lang="en-US" dirty="0"/>
+              <a:t>) + (p-1)</a:t>
+            </a:r>
+          </a:p>
+          <a:p>
+            <a:pPr lvl="1"/>
+            <a:r>
+              <a:rPr lang="en-US" dirty="0"/>
+              <a:t>For p=5, f</a:t>
+            </a:r>
+            <a:r>
+              <a:rPr lang="en-US" baseline="30000" dirty="0"/>
+              <a:t>2</a:t>
+            </a:r>
+            <a:r>
+              <a:rPr lang="en-US" dirty="0"/>
+              <a:t>=0.02, N =&gt; 404</a:t>
+            </a:r>
+          </a:p>
+          <a:p>
+            <a:pPr lvl="1"/>
+            <a:r>
+              <a:rPr lang="en-US" dirty="0"/>
+              <a:t>For p=5, f</a:t>
+            </a:r>
+            <a:r>
+              <a:rPr lang="en-US" baseline="30000" dirty="0"/>
+              <a:t>2</a:t>
+            </a:r>
+            <a:r>
+              <a:rPr lang="en-US" dirty="0"/>
+              <a:t>=0.15, N =&gt; 57.3 ~ 58</a:t>
+            </a:r>
+          </a:p>
+          <a:p>
+            <a:pPr lvl="1"/>
+            <a:r>
+              <a:rPr lang="en-US" dirty="0"/>
+              <a:t>For p=5, f</a:t>
+            </a:r>
+            <a:r>
+              <a:rPr lang="en-US" baseline="30000" dirty="0"/>
+              <a:t>2</a:t>
+            </a:r>
+            <a:r>
+              <a:rPr lang="en-US" dirty="0"/>
+              <a:t>=0.35, N =&gt; 26.9 ~ 27</a:t>
+            </a:r>
+          </a:p>
+          <a:p>
+            <a:pPr lvl="1"/>
+            <a:endParaRPr lang="en-US" dirty="0"/>
+          </a:p>
+          <a:p>
+            <a:r>
+              <a:rPr lang="en-US" dirty="0"/>
+              <a:t>Better yet – use software like G*Power</a:t>
+            </a:r>
+          </a:p>
+        </p:txBody>
+      </p:sp>
+    </p:spTree>
+    <p:extLst>
+      <p:ext uri="{BB962C8B-B14F-4D97-AF65-F5344CB8AC3E}">
+        <p14:creationId xmlns:p14="http://schemas.microsoft.com/office/powerpoint/2010/main" val="295240673"/>
+      </p:ext>
+    </p:extLst>
+  </p:cSld>
+  <p:clrMapOvr>
+    <a:masterClrMapping/>
+  </p:clrMapOvr>
+  <p:transition/>
+</p:sld>
+</file>
+
+<file path=ppt/slides/slide44.xml><?xml version="1.0" encoding="utf-8"?>
+<p:sld xmlns:a="http://schemas.openxmlformats.org/drawingml/2006/main" xmlns:r="http://schemas.openxmlformats.org/officeDocument/2006/relationships" xmlns:p="http://schemas.openxmlformats.org/presentationml/2006/main">
+  <p:cSld>
+    <p:spTree>
+      <p:nvGrpSpPr>
+        <p:cNvPr id="1" name=""/>
+        <p:cNvGrpSpPr/>
+        <p:nvPr/>
+      </p:nvGrpSpPr>
+      <p:grpSpPr>
+        <a:xfrm>
+          <a:off x="0" y="0"/>
+          <a:ext cx="0" cy="0"/>
+          <a:chOff x="0" y="0"/>
+          <a:chExt cx="0" cy="0"/>
+        </a:xfrm>
+      </p:grpSpPr>
+      <p:sp>
+        <p:nvSpPr>
+          <p:cNvPr id="2" name="Title 1">
+            <a:extLst>
+              <a:ext uri="{FF2B5EF4-FFF2-40B4-BE49-F238E27FC236}">
                 <a16:creationId xmlns:a16="http://schemas.microsoft.com/office/drawing/2014/main" id="{52C00158-F871-4C38-B550-495602B2AA58}"/>
               </a:ext>
             </a:extLst>
@@ -40325,8 +40643,8 @@
           </a:p>
         </p:txBody>
       </p:sp>
-      <mc:AlternateContent xmlns:mc="http://schemas.openxmlformats.org/markup-compatibility/2006">
-        <mc:Choice xmlns:a14="http://schemas.microsoft.com/office/drawing/2010/main" Requires="a14">
+      <mc:AlternateContent xmlns:mc="http://schemas.openxmlformats.org/markup-compatibility/2006" xmlns:a14="http://schemas.microsoft.com/office/drawing/2010/main">
+        <mc:Choice Requires="a14">
           <p:sp>
             <p:nvSpPr>
               <p:cNvPr id="4" name="TextBox 3">
@@ -40729,7 +41047,7 @@
             </p:txBody>
           </p:sp>
         </mc:Choice>
-        <mc:Fallback>
+        <mc:Fallback xmlns="">
           <p:sp>
             <p:nvSpPr>
               <p:cNvPr id="4" name="TextBox 3">
@@ -40990,7 +41308,7 @@
 </p:sld>
 </file>
 
-<file path=ppt/slides/slide43.xml><?xml version="1.0" encoding="utf-8"?>
+<file path=ppt/slides/slide45.xml><?xml version="1.0" encoding="utf-8"?>
 <p:sld xmlns:a="http://schemas.openxmlformats.org/drawingml/2006/main" xmlns:r="http://schemas.openxmlformats.org/officeDocument/2006/relationships" xmlns:p="http://schemas.openxmlformats.org/presentationml/2006/main">
   <p:cSld>
     <p:spTree>
@@ -41252,7 +41570,7 @@
 </p:sld>
 </file>
 
-<file path=ppt/slides/slide44.xml><?xml version="1.0" encoding="utf-8"?>
+<file path=ppt/slides/slide46.xml><?xml version="1.0" encoding="utf-8"?>
 <p:sld xmlns:a="http://schemas.openxmlformats.org/drawingml/2006/main" xmlns:r="http://schemas.openxmlformats.org/officeDocument/2006/relationships" xmlns:p="http://schemas.openxmlformats.org/presentationml/2006/main">
   <p:cSld>
     <p:spTree>
@@ -41341,7 +41659,7 @@
 </p:sld>
 </file>
 
-<file path=ppt/slides/slide45.xml><?xml version="1.0" encoding="utf-8"?>
+<file path=ppt/slides/slide47.xml><?xml version="1.0" encoding="utf-8"?>
 <p:sld xmlns:a="http://schemas.openxmlformats.org/drawingml/2006/main" xmlns:r="http://schemas.openxmlformats.org/officeDocument/2006/relationships" xmlns:p="http://schemas.openxmlformats.org/presentationml/2006/main">
   <p:cSld>
     <p:spTree>
@@ -41575,7 +41893,7 @@
 </p:sld>
 </file>
 
-<file path=ppt/slides/slide46.xml><?xml version="1.0" encoding="utf-8"?>
+<file path=ppt/slides/slide48.xml><?xml version="1.0" encoding="utf-8"?>
 <p:sld xmlns:a="http://schemas.openxmlformats.org/drawingml/2006/main" xmlns:r="http://schemas.openxmlformats.org/officeDocument/2006/relationships" xmlns:p="http://schemas.openxmlformats.org/presentationml/2006/main">
   <p:cSld>
     <p:spTree>
@@ -41869,7 +42187,7 @@
 </p:sld>
 </file>
 
-<file path=ppt/slides/slide47.xml><?xml version="1.0" encoding="utf-8"?>
+<file path=ppt/slides/slide49.xml><?xml version="1.0" encoding="utf-8"?>
 <p:sld xmlns:a="http://schemas.openxmlformats.org/drawingml/2006/main" xmlns:r="http://schemas.openxmlformats.org/officeDocument/2006/relationships" xmlns:p="http://schemas.openxmlformats.org/presentationml/2006/main">
   <p:cSld>
     <p:spTree>
@@ -42457,320 +42775,6 @@
     </p:tnLst>
     <p:bldLst>
       <p:bldP spid="238595" grpId="0" build="p"/>
-    </p:bldLst>
-  </p:timing>
-</p:sld>
-</file>
-
-<file path=ppt/slides/slide48.xml><?xml version="1.0" encoding="utf-8"?>
-<p:sld xmlns:a="http://schemas.openxmlformats.org/drawingml/2006/main" xmlns:r="http://schemas.openxmlformats.org/officeDocument/2006/relationships" xmlns:p="http://schemas.openxmlformats.org/presentationml/2006/main">
-  <p:cSld>
-    <p:spTree>
-      <p:nvGrpSpPr>
-        <p:cNvPr id="1" name=""/>
-        <p:cNvGrpSpPr/>
-        <p:nvPr/>
-      </p:nvGrpSpPr>
-      <p:grpSpPr>
-        <a:xfrm>
-          <a:off x="0" y="0"/>
-          <a:ext cx="0" cy="0"/>
-          <a:chOff x="0" y="0"/>
-          <a:chExt cx="0" cy="0"/>
-        </a:xfrm>
-      </p:grpSpPr>
-      <p:sp>
-        <p:nvSpPr>
-          <p:cNvPr id="52226" name="Rectangle 2">
-            <a:extLst>
-              <a:ext uri="{FF2B5EF4-FFF2-40B4-BE49-F238E27FC236}">
-                <a16:creationId xmlns:a16="http://schemas.microsoft.com/office/drawing/2014/main" id="{419269B5-50BE-41EB-8DC2-38CCCAB07E54}"/>
-              </a:ext>
-            </a:extLst>
-          </p:cNvPr>
-          <p:cNvSpPr>
-            <a:spLocks noGrp="1" noChangeArrowheads="1"/>
-          </p:cNvSpPr>
-          <p:nvPr>
-            <p:ph type="title"/>
-          </p:nvPr>
-        </p:nvSpPr>
-        <p:spPr>
-          <a:xfrm>
-            <a:off x="230188" y="215900"/>
-            <a:ext cx="8683625" cy="1033463"/>
-          </a:xfrm>
-        </p:spPr>
-        <p:txBody>
-          <a:bodyPr/>
-          <a:lstStyle/>
-          <a:p>
-            <a:pPr eaLnBrk="1" hangingPunct="1"/>
-            <a:r>
-              <a:rPr lang="en-US" altLang="en-US" u="sng"/>
-              <a:t>VIII. Statistical Resources and Contact Info</a:t>
-            </a:r>
-          </a:p>
-        </p:txBody>
-      </p:sp>
-      <p:sp>
-        <p:nvSpPr>
-          <p:cNvPr id="96261" name="Rectangle 5">
-            <a:extLst>
-              <a:ext uri="{FF2B5EF4-FFF2-40B4-BE49-F238E27FC236}">
-                <a16:creationId xmlns:a16="http://schemas.microsoft.com/office/drawing/2014/main" id="{75DB24BE-B51F-4143-ABA5-057F6C0045F7}"/>
-              </a:ext>
-            </a:extLst>
-          </p:cNvPr>
-          <p:cNvSpPr>
-            <a:spLocks noGrp="1" noChangeArrowheads="1"/>
-          </p:cNvSpPr>
-          <p:nvPr>
-            <p:ph type="body" sz="half" idx="1"/>
-          </p:nvPr>
-        </p:nvSpPr>
-        <p:spPr>
-          <a:xfrm>
-            <a:off x="112713" y="971550"/>
-            <a:ext cx="8867775" cy="5527675"/>
-          </a:xfrm>
-        </p:spPr>
-        <p:txBody>
-          <a:bodyPr/>
-          <a:lstStyle/>
-          <a:p>
-            <a:pPr marL="381000" indent="-381000" eaLnBrk="1" hangingPunct="1">
-              <a:buFontTx/>
-              <a:buNone/>
-            </a:pPr>
-            <a:r>
-              <a:rPr lang="en-US" altLang="en-US" sz="2000"/>
-              <a:t>Contact </a:t>
-            </a:r>
-          </a:p>
-          <a:p>
-            <a:pPr marL="723900" lvl="1" indent="-381000" eaLnBrk="1" hangingPunct="1">
-              <a:buFontTx/>
-              <a:buNone/>
-            </a:pPr>
-            <a:r>
-              <a:rPr lang="en-US" altLang="en-US" sz="2000">
-                <a:solidFill>
-                  <a:srgbClr val="6600CC"/>
-                </a:solidFill>
-              </a:rPr>
-              <a:t>Dr. Melinda Higgins</a:t>
-            </a:r>
-          </a:p>
-          <a:p>
-            <a:pPr marL="723900" lvl="1" indent="-381000" eaLnBrk="1" hangingPunct="1">
-              <a:buFontTx/>
-              <a:buNone/>
-            </a:pPr>
-            <a:r>
-              <a:rPr lang="en-US" altLang="en-US" sz="2000">
-                <a:solidFill>
-                  <a:srgbClr val="6600CC"/>
-                </a:solidFill>
-              </a:rPr>
-              <a:t>Melinda.higgins@emory.edu</a:t>
-            </a:r>
-          </a:p>
-          <a:p>
-            <a:pPr marL="723900" lvl="1" indent="-381000" eaLnBrk="1" hangingPunct="1">
-              <a:buFontTx/>
-              <a:buNone/>
-            </a:pPr>
-            <a:r>
-              <a:rPr lang="en-US" altLang="en-US" sz="2000">
-                <a:solidFill>
-                  <a:srgbClr val="6600CC"/>
-                </a:solidFill>
-              </a:rPr>
-              <a:t>Office: 404-727-5180 / Mobile: 404-434-1785</a:t>
-            </a:r>
-          </a:p>
-        </p:txBody>
-      </p:sp>
-    </p:spTree>
-  </p:cSld>
-  <p:clrMapOvr>
-    <a:masterClrMapping/>
-  </p:clrMapOvr>
-  <p:transition/>
-  <p:timing>
-    <p:tnLst>
-      <p:par>
-        <p:cTn id="1" dur="indefinite" restart="never" nodeType="tmRoot">
-          <p:childTnLst>
-            <p:seq concurrent="1" nextAc="seek">
-              <p:cTn id="2" dur="indefinite" nodeType="mainSeq">
-                <p:childTnLst>
-                  <p:par>
-                    <p:cTn id="3" fill="hold" nodeType="clickPar">
-                      <p:stCondLst>
-                        <p:cond delay="indefinite"/>
-                      </p:stCondLst>
-                      <p:childTnLst>
-                        <p:par>
-                          <p:cTn id="4" fill="hold" nodeType="withGroup">
-                            <p:stCondLst>
-                              <p:cond delay="0"/>
-                            </p:stCondLst>
-                            <p:childTnLst>
-                              <p:par>
-                                <p:cTn id="5" presetID="1" presetClass="entr" presetSubtype="0" fill="hold" grpId="0" nodeType="clickEffect">
-                                  <p:stCondLst>
-                                    <p:cond delay="0"/>
-                                  </p:stCondLst>
-                                  <p:childTnLst>
-                                    <p:set>
-                                      <p:cBhvr>
-                                        <p:cTn id="6" dur="1" fill="hold">
-                                          <p:stCondLst>
-                                            <p:cond delay="0"/>
-                                          </p:stCondLst>
-                                        </p:cTn>
-                                        <p:tgtEl>
-                                          <p:spTgt spid="96261">
-                                            <p:txEl>
-                                              <p:pRg st="0" end="0"/>
-                                            </p:txEl>
-                                          </p:spTgt>
-                                        </p:tgtEl>
-                                        <p:attrNameLst>
-                                          <p:attrName>style.visibility</p:attrName>
-                                        </p:attrNameLst>
-                                      </p:cBhvr>
-                                      <p:to>
-                                        <p:strVal val="visible"/>
-                                      </p:to>
-                                    </p:set>
-                                  </p:childTnLst>
-                                </p:cTn>
-                              </p:par>
-                              <p:par>
-                                <p:cTn id="7" presetID="1" presetClass="entr" presetSubtype="0" fill="hold" grpId="0" nodeType="withEffect">
-                                  <p:stCondLst>
-                                    <p:cond delay="0"/>
-                                  </p:stCondLst>
-                                  <p:childTnLst>
-                                    <p:set>
-                                      <p:cBhvr>
-                                        <p:cTn id="8" dur="1" fill="hold">
-                                          <p:stCondLst>
-                                            <p:cond delay="0"/>
-                                          </p:stCondLst>
-                                        </p:cTn>
-                                        <p:tgtEl>
-                                          <p:spTgt spid="96261">
-                                            <p:txEl>
-                                              <p:pRg st="1" end="1"/>
-                                            </p:txEl>
-                                          </p:spTgt>
-                                        </p:tgtEl>
-                                        <p:attrNameLst>
-                                          <p:attrName>style.visibility</p:attrName>
-                                        </p:attrNameLst>
-                                      </p:cBhvr>
-                                      <p:to>
-                                        <p:strVal val="visible"/>
-                                      </p:to>
-                                    </p:set>
-                                  </p:childTnLst>
-                                </p:cTn>
-                              </p:par>
-                              <p:par>
-                                <p:cTn id="9" presetID="1" presetClass="entr" presetSubtype="0" fill="hold" grpId="0" nodeType="withEffect">
-                                  <p:stCondLst>
-                                    <p:cond delay="0"/>
-                                  </p:stCondLst>
-                                  <p:childTnLst>
-                                    <p:set>
-                                      <p:cBhvr>
-                                        <p:cTn id="10" dur="1" fill="hold">
-                                          <p:stCondLst>
-                                            <p:cond delay="0"/>
-                                          </p:stCondLst>
-                                        </p:cTn>
-                                        <p:tgtEl>
-                                          <p:spTgt spid="96261">
-                                            <p:txEl>
-                                              <p:pRg st="2" end="2"/>
-                                            </p:txEl>
-                                          </p:spTgt>
-                                        </p:tgtEl>
-                                        <p:attrNameLst>
-                                          <p:attrName>style.visibility</p:attrName>
-                                        </p:attrNameLst>
-                                      </p:cBhvr>
-                                      <p:to>
-                                        <p:strVal val="visible"/>
-                                      </p:to>
-                                    </p:set>
-                                  </p:childTnLst>
-                                </p:cTn>
-                              </p:par>
-                              <p:par>
-                                <p:cTn id="11" presetID="1" presetClass="entr" presetSubtype="0" fill="hold" grpId="0" nodeType="withEffect">
-                                  <p:stCondLst>
-                                    <p:cond delay="0"/>
-                                  </p:stCondLst>
-                                  <p:childTnLst>
-                                    <p:set>
-                                      <p:cBhvr>
-                                        <p:cTn id="12" dur="1" fill="hold">
-                                          <p:stCondLst>
-                                            <p:cond delay="0"/>
-                                          </p:stCondLst>
-                                        </p:cTn>
-                                        <p:tgtEl>
-                                          <p:spTgt spid="96261">
-                                            <p:txEl>
-                                              <p:pRg st="3" end="3"/>
-                                            </p:txEl>
-                                          </p:spTgt>
-                                        </p:tgtEl>
-                                        <p:attrNameLst>
-                                          <p:attrName>style.visibility</p:attrName>
-                                        </p:attrNameLst>
-                                      </p:cBhvr>
-                                      <p:to>
-                                        <p:strVal val="visible"/>
-                                      </p:to>
-                                    </p:set>
-                                  </p:childTnLst>
-                                </p:cTn>
-                              </p:par>
-                            </p:childTnLst>
-                          </p:cTn>
-                        </p:par>
-                      </p:childTnLst>
-                    </p:cTn>
-                  </p:par>
-                </p:childTnLst>
-              </p:cTn>
-              <p:prevCondLst>
-                <p:cond evt="onPrev" delay="0">
-                  <p:tgtEl>
-                    <p:sldTgt/>
-                  </p:tgtEl>
-                </p:cond>
-              </p:prevCondLst>
-              <p:nextCondLst>
-                <p:cond evt="onNext" delay="0">
-                  <p:tgtEl>
-                    <p:sldTgt/>
-                  </p:tgtEl>
-                </p:cond>
-              </p:nextCondLst>
-            </p:seq>
-          </p:childTnLst>
-        </p:cTn>
-      </p:par>
-    </p:tnLst>
-    <p:bldLst>
-      <p:bldP spid="96261" grpId="0" build="p"/>
     </p:bldLst>
   </p:timing>
 </p:sld>
@@ -43740,6 +43744,351 @@
       <p:bldP spid="18" grpId="0"/>
     </p:bldLst>
   </p:timing>
+</p:sld>
+</file>
+
+<file path=ppt/slides/slide50.xml><?xml version="1.0" encoding="utf-8"?>
+<p:sld xmlns:a="http://schemas.openxmlformats.org/drawingml/2006/main" xmlns:r="http://schemas.openxmlformats.org/officeDocument/2006/relationships" xmlns:p="http://schemas.openxmlformats.org/presentationml/2006/main">
+  <p:cSld>
+    <p:spTree>
+      <p:nvGrpSpPr>
+        <p:cNvPr id="1" name=""/>
+        <p:cNvGrpSpPr/>
+        <p:nvPr/>
+      </p:nvGrpSpPr>
+      <p:grpSpPr>
+        <a:xfrm>
+          <a:off x="0" y="0"/>
+          <a:ext cx="0" cy="0"/>
+          <a:chOff x="0" y="0"/>
+          <a:chExt cx="0" cy="0"/>
+        </a:xfrm>
+      </p:grpSpPr>
+      <p:sp>
+        <p:nvSpPr>
+          <p:cNvPr id="52226" name="Rectangle 2">
+            <a:extLst>
+              <a:ext uri="{FF2B5EF4-FFF2-40B4-BE49-F238E27FC236}">
+                <a16:creationId xmlns:a16="http://schemas.microsoft.com/office/drawing/2014/main" id="{419269B5-50BE-41EB-8DC2-38CCCAB07E54}"/>
+              </a:ext>
+            </a:extLst>
+          </p:cNvPr>
+          <p:cNvSpPr>
+            <a:spLocks noGrp="1" noChangeArrowheads="1"/>
+          </p:cNvSpPr>
+          <p:nvPr>
+            <p:ph type="title"/>
+          </p:nvPr>
+        </p:nvSpPr>
+        <p:spPr>
+          <a:xfrm>
+            <a:off x="230188" y="215900"/>
+            <a:ext cx="8683625" cy="1033463"/>
+          </a:xfrm>
+        </p:spPr>
+        <p:txBody>
+          <a:bodyPr/>
+          <a:lstStyle/>
+          <a:p>
+            <a:pPr eaLnBrk="1" hangingPunct="1"/>
+            <a:r>
+              <a:rPr lang="en-US" altLang="en-US" u="sng"/>
+              <a:t>VIII. Statistical Resources and Contact Info</a:t>
+            </a:r>
+          </a:p>
+        </p:txBody>
+      </p:sp>
+      <p:sp>
+        <p:nvSpPr>
+          <p:cNvPr id="96261" name="Rectangle 5">
+            <a:extLst>
+              <a:ext uri="{FF2B5EF4-FFF2-40B4-BE49-F238E27FC236}">
+                <a16:creationId xmlns:a16="http://schemas.microsoft.com/office/drawing/2014/main" id="{75DB24BE-B51F-4143-ABA5-057F6C0045F7}"/>
+              </a:ext>
+            </a:extLst>
+          </p:cNvPr>
+          <p:cNvSpPr>
+            <a:spLocks noGrp="1" noChangeArrowheads="1"/>
+          </p:cNvSpPr>
+          <p:nvPr>
+            <p:ph type="body" sz="half" idx="1"/>
+          </p:nvPr>
+        </p:nvSpPr>
+        <p:spPr>
+          <a:xfrm>
+            <a:off x="112713" y="971550"/>
+            <a:ext cx="8867775" cy="5527675"/>
+          </a:xfrm>
+        </p:spPr>
+        <p:txBody>
+          <a:bodyPr/>
+          <a:lstStyle/>
+          <a:p>
+            <a:pPr marL="381000" indent="-381000" eaLnBrk="1" hangingPunct="1">
+              <a:buFontTx/>
+              <a:buNone/>
+            </a:pPr>
+            <a:r>
+              <a:rPr lang="en-US" altLang="en-US" sz="2000"/>
+              <a:t>Contact </a:t>
+            </a:r>
+          </a:p>
+          <a:p>
+            <a:pPr marL="723900" lvl="1" indent="-381000" eaLnBrk="1" hangingPunct="1">
+              <a:buFontTx/>
+              <a:buNone/>
+            </a:pPr>
+            <a:r>
+              <a:rPr lang="en-US" altLang="en-US" sz="2000">
+                <a:solidFill>
+                  <a:srgbClr val="6600CC"/>
+                </a:solidFill>
+              </a:rPr>
+              <a:t>Dr. Melinda Higgins</a:t>
+            </a:r>
+          </a:p>
+          <a:p>
+            <a:pPr marL="723900" lvl="1" indent="-381000" eaLnBrk="1" hangingPunct="1">
+              <a:buFontTx/>
+              <a:buNone/>
+            </a:pPr>
+            <a:r>
+              <a:rPr lang="en-US" altLang="en-US" sz="2000">
+                <a:solidFill>
+                  <a:srgbClr val="6600CC"/>
+                </a:solidFill>
+              </a:rPr>
+              <a:t>Melinda.higgins@emory.edu</a:t>
+            </a:r>
+          </a:p>
+          <a:p>
+            <a:pPr marL="723900" lvl="1" indent="-381000" eaLnBrk="1" hangingPunct="1">
+              <a:buFontTx/>
+              <a:buNone/>
+            </a:pPr>
+            <a:r>
+              <a:rPr lang="en-US" altLang="en-US" sz="2000">
+                <a:solidFill>
+                  <a:srgbClr val="6600CC"/>
+                </a:solidFill>
+              </a:rPr>
+              <a:t>Office: 404-727-5180 / Mobile: 404-434-1785</a:t>
+            </a:r>
+          </a:p>
+        </p:txBody>
+      </p:sp>
+    </p:spTree>
+  </p:cSld>
+  <p:clrMapOvr>
+    <a:masterClrMapping/>
+  </p:clrMapOvr>
+  <p:transition/>
+  <p:timing>
+    <p:tnLst>
+      <p:par>
+        <p:cTn id="1" dur="indefinite" restart="never" nodeType="tmRoot">
+          <p:childTnLst>
+            <p:seq concurrent="1" nextAc="seek">
+              <p:cTn id="2" dur="indefinite" nodeType="mainSeq">
+                <p:childTnLst>
+                  <p:par>
+                    <p:cTn id="3" fill="hold" nodeType="clickPar">
+                      <p:stCondLst>
+                        <p:cond delay="indefinite"/>
+                      </p:stCondLst>
+                      <p:childTnLst>
+                        <p:par>
+                          <p:cTn id="4" fill="hold" nodeType="withGroup">
+                            <p:stCondLst>
+                              <p:cond delay="0"/>
+                            </p:stCondLst>
+                            <p:childTnLst>
+                              <p:par>
+                                <p:cTn id="5" presetID="1" presetClass="entr" presetSubtype="0" fill="hold" grpId="0" nodeType="clickEffect">
+                                  <p:stCondLst>
+                                    <p:cond delay="0"/>
+                                  </p:stCondLst>
+                                  <p:childTnLst>
+                                    <p:set>
+                                      <p:cBhvr>
+                                        <p:cTn id="6" dur="1" fill="hold">
+                                          <p:stCondLst>
+                                            <p:cond delay="0"/>
+                                          </p:stCondLst>
+                                        </p:cTn>
+                                        <p:tgtEl>
+                                          <p:spTgt spid="96261">
+                                            <p:txEl>
+                                              <p:pRg st="0" end="0"/>
+                                            </p:txEl>
+                                          </p:spTgt>
+                                        </p:tgtEl>
+                                        <p:attrNameLst>
+                                          <p:attrName>style.visibility</p:attrName>
+                                        </p:attrNameLst>
+                                      </p:cBhvr>
+                                      <p:to>
+                                        <p:strVal val="visible"/>
+                                      </p:to>
+                                    </p:set>
+                                  </p:childTnLst>
+                                </p:cTn>
+                              </p:par>
+                              <p:par>
+                                <p:cTn id="7" presetID="1" presetClass="entr" presetSubtype="0" fill="hold" grpId="0" nodeType="withEffect">
+                                  <p:stCondLst>
+                                    <p:cond delay="0"/>
+                                  </p:stCondLst>
+                                  <p:childTnLst>
+                                    <p:set>
+                                      <p:cBhvr>
+                                        <p:cTn id="8" dur="1" fill="hold">
+                                          <p:stCondLst>
+                                            <p:cond delay="0"/>
+                                          </p:stCondLst>
+                                        </p:cTn>
+                                        <p:tgtEl>
+                                          <p:spTgt spid="96261">
+                                            <p:txEl>
+                                              <p:pRg st="1" end="1"/>
+                                            </p:txEl>
+                                          </p:spTgt>
+                                        </p:tgtEl>
+                                        <p:attrNameLst>
+                                          <p:attrName>style.visibility</p:attrName>
+                                        </p:attrNameLst>
+                                      </p:cBhvr>
+                                      <p:to>
+                                        <p:strVal val="visible"/>
+                                      </p:to>
+                                    </p:set>
+                                  </p:childTnLst>
+                                </p:cTn>
+                              </p:par>
+                              <p:par>
+                                <p:cTn id="9" presetID="1" presetClass="entr" presetSubtype="0" fill="hold" grpId="0" nodeType="withEffect">
+                                  <p:stCondLst>
+                                    <p:cond delay="0"/>
+                                  </p:stCondLst>
+                                  <p:childTnLst>
+                                    <p:set>
+                                      <p:cBhvr>
+                                        <p:cTn id="10" dur="1" fill="hold">
+                                          <p:stCondLst>
+                                            <p:cond delay="0"/>
+                                          </p:stCondLst>
+                                        </p:cTn>
+                                        <p:tgtEl>
+                                          <p:spTgt spid="96261">
+                                            <p:txEl>
+                                              <p:pRg st="2" end="2"/>
+                                            </p:txEl>
+                                          </p:spTgt>
+                                        </p:tgtEl>
+                                        <p:attrNameLst>
+                                          <p:attrName>style.visibility</p:attrName>
+                                        </p:attrNameLst>
+                                      </p:cBhvr>
+                                      <p:to>
+                                        <p:strVal val="visible"/>
+                                      </p:to>
+                                    </p:set>
+                                  </p:childTnLst>
+                                </p:cTn>
+                              </p:par>
+                              <p:par>
+                                <p:cTn id="11" presetID="1" presetClass="entr" presetSubtype="0" fill="hold" grpId="0" nodeType="withEffect">
+                                  <p:stCondLst>
+                                    <p:cond delay="0"/>
+                                  </p:stCondLst>
+                                  <p:childTnLst>
+                                    <p:set>
+                                      <p:cBhvr>
+                                        <p:cTn id="12" dur="1" fill="hold">
+                                          <p:stCondLst>
+                                            <p:cond delay="0"/>
+                                          </p:stCondLst>
+                                        </p:cTn>
+                                        <p:tgtEl>
+                                          <p:spTgt spid="96261">
+                                            <p:txEl>
+                                              <p:pRg st="3" end="3"/>
+                                            </p:txEl>
+                                          </p:spTgt>
+                                        </p:tgtEl>
+                                        <p:attrNameLst>
+                                          <p:attrName>style.visibility</p:attrName>
+                                        </p:attrNameLst>
+                                      </p:cBhvr>
+                                      <p:to>
+                                        <p:strVal val="visible"/>
+                                      </p:to>
+                                    </p:set>
+                                  </p:childTnLst>
+                                </p:cTn>
+                              </p:par>
+                            </p:childTnLst>
+                          </p:cTn>
+                        </p:par>
+                      </p:childTnLst>
+                    </p:cTn>
+                  </p:par>
+                </p:childTnLst>
+              </p:cTn>
+              <p:prevCondLst>
+                <p:cond evt="onPrev" delay="0">
+                  <p:tgtEl>
+                    <p:sldTgt/>
+                  </p:tgtEl>
+                </p:cond>
+              </p:prevCondLst>
+              <p:nextCondLst>
+                <p:cond evt="onNext" delay="0">
+                  <p:tgtEl>
+                    <p:sldTgt/>
+                  </p:tgtEl>
+                </p:cond>
+              </p:nextCondLst>
+            </p:seq>
+          </p:childTnLst>
+        </p:cTn>
+      </p:par>
+    </p:tnLst>
+    <p:bldLst>
+      <p:bldP spid="96261" grpId="0" build="p"/>
+    </p:bldLst>
+  </p:timing>
+</p:sld>
+</file>
+
+<file path=ppt/slides/slide51.xml><?xml version="1.0" encoding="utf-8"?>
+<p:sld xmlns:a="http://schemas.openxmlformats.org/drawingml/2006/main" xmlns:r="http://schemas.openxmlformats.org/officeDocument/2006/relationships" xmlns:p="http://schemas.openxmlformats.org/presentationml/2006/main">
+  <p:cSld>
+    <p:spTree>
+      <p:nvGrpSpPr>
+        <p:cNvPr id="1" name=""/>
+        <p:cNvGrpSpPr/>
+        <p:nvPr/>
+      </p:nvGrpSpPr>
+      <p:grpSpPr>
+        <a:xfrm>
+          <a:off x="0" y="0"/>
+          <a:ext cx="0" cy="0"/>
+          <a:chOff x="0" y="0"/>
+          <a:chExt cx="0" cy="0"/>
+        </a:xfrm>
+      </p:grpSpPr>
+    </p:spTree>
+    <p:extLst>
+      <p:ext uri="{BB962C8B-B14F-4D97-AF65-F5344CB8AC3E}">
+        <p14:creationId xmlns:p14="http://schemas.microsoft.com/office/powerpoint/2010/main" val="3325654834"/>
+      </p:ext>
+    </p:extLst>
+  </p:cSld>
+  <p:clrMapOvr>
+    <a:masterClrMapping/>
+  </p:clrMapOvr>
+  <p:transition/>
 </p:sld>
 </file>
 
